--- a/persbriefing_20240828.pptx
+++ b/persbriefing_20240828.pptx
@@ -135,7 +135,7 @@
 <file path=ppt/revisionInfo.xml><?xml version="1.0" encoding="utf-8"?>
 <p1510:revInfo xmlns:a="http://schemas.openxmlformats.org/drawingml/2006/main" xmlns:r="http://schemas.openxmlformats.org/officeDocument/2006/relationships" xmlns:p1510="http://schemas.microsoft.com/office/powerpoint/2015/10/main">
   <p1510:revLst>
-    <p1510:client id="{5DA11BC7-1AE9-4F4E-8037-2F8D70D9B025}" v="5" dt="2024-08-26T11:49:09.800"/>
+    <p1510:client id="{5DA11BC7-1AE9-4F4E-8037-2F8D70D9B025}" v="8" dt="2024-08-26T12:57:22.287"/>
   </p1510:revLst>
 </p1510:revInfo>
 </file>
@@ -145,12 +145,12 @@
   <pc:docChgLst>
     <pc:chgData name="Emiel van Loon" userId="e65b4030-5993-4b75-a516-2a928318c599" providerId="ADAL" clId="{5DA11BC7-1AE9-4F4E-8037-2F8D70D9B025}"/>
     <pc:docChg chg="undo custSel modSld">
-      <pc:chgData name="Emiel van Loon" userId="e65b4030-5993-4b75-a516-2a928318c599" providerId="ADAL" clId="{5DA11BC7-1AE9-4F4E-8037-2F8D70D9B025}" dt="2024-08-26T11:57:34.825" v="685" actId="1037"/>
+      <pc:chgData name="Emiel van Loon" userId="e65b4030-5993-4b75-a516-2a928318c599" providerId="ADAL" clId="{5DA11BC7-1AE9-4F4E-8037-2F8D70D9B025}" dt="2024-08-26T12:59:52.380" v="768" actId="478"/>
       <pc:docMkLst>
         <pc:docMk/>
       </pc:docMkLst>
-      <pc:sldChg chg="modSp mod">
-        <pc:chgData name="Emiel van Loon" userId="e65b4030-5993-4b75-a516-2a928318c599" providerId="ADAL" clId="{5DA11BC7-1AE9-4F4E-8037-2F8D70D9B025}" dt="2024-08-26T11:50:07.943" v="586" actId="1036"/>
+      <pc:sldChg chg="addSp modSp mod">
+        <pc:chgData name="Emiel van Loon" userId="e65b4030-5993-4b75-a516-2a928318c599" providerId="ADAL" clId="{5DA11BC7-1AE9-4F4E-8037-2F8D70D9B025}" dt="2024-08-26T12:59:02.485" v="745" actId="1076"/>
         <pc:sldMkLst>
           <pc:docMk/>
           <pc:sldMk cId="520858234" sldId="256"/>
@@ -163,8 +163,16 @@
             <ac:spMk id="2" creationId="{47F21844-D6DF-147C-2B6A-134B3D2DAA23}"/>
           </ac:spMkLst>
         </pc:spChg>
+        <pc:picChg chg="add mod">
+          <ac:chgData name="Emiel van Loon" userId="e65b4030-5993-4b75-a516-2a928318c599" providerId="ADAL" clId="{5DA11BC7-1AE9-4F4E-8037-2F8D70D9B025}" dt="2024-08-26T12:57:03.903" v="696" actId="931"/>
+          <ac:picMkLst>
+            <pc:docMk/>
+            <pc:sldMk cId="520858234" sldId="256"/>
+            <ac:picMk id="5" creationId="{54CE7BB4-7DCA-0538-AB69-5FC97134F693}"/>
+          </ac:picMkLst>
+        </pc:picChg>
         <pc:picChg chg="mod">
-          <ac:chgData name="Emiel van Loon" userId="e65b4030-5993-4b75-a516-2a928318c599" providerId="ADAL" clId="{5DA11BC7-1AE9-4F4E-8037-2F8D70D9B025}" dt="2024-08-26T11:49:49.925" v="559" actId="1076"/>
+          <ac:chgData name="Emiel van Loon" userId="e65b4030-5993-4b75-a516-2a928318c599" providerId="ADAL" clId="{5DA11BC7-1AE9-4F4E-8037-2F8D70D9B025}" dt="2024-08-26T12:58:56.848" v="744" actId="1038"/>
           <ac:picMkLst>
             <pc:docMk/>
             <pc:sldMk cId="520858234" sldId="256"/>
@@ -172,16 +180,24 @@
           </ac:picMkLst>
         </pc:picChg>
         <pc:picChg chg="mod">
-          <ac:chgData name="Emiel van Loon" userId="e65b4030-5993-4b75-a516-2a928318c599" providerId="ADAL" clId="{5DA11BC7-1AE9-4F4E-8037-2F8D70D9B025}" dt="2024-08-26T11:49:46.037" v="558" actId="1076"/>
+          <ac:chgData name="Emiel van Loon" userId="e65b4030-5993-4b75-a516-2a928318c599" providerId="ADAL" clId="{5DA11BC7-1AE9-4F4E-8037-2F8D70D9B025}" dt="2024-08-26T12:58:56.848" v="744" actId="1038"/>
           <ac:picMkLst>
             <pc:docMk/>
             <pc:sldMk cId="520858234" sldId="256"/>
             <ac:picMk id="8" creationId="{7A3D5A34-DBE4-A728-F355-BA50B02F21E2}"/>
           </ac:picMkLst>
         </pc:picChg>
+        <pc:picChg chg="add mod">
+          <ac:chgData name="Emiel van Loon" userId="e65b4030-5993-4b75-a516-2a928318c599" providerId="ADAL" clId="{5DA11BC7-1AE9-4F4E-8037-2F8D70D9B025}" dt="2024-08-26T12:59:02.485" v="745" actId="1076"/>
+          <ac:picMkLst>
+            <pc:docMk/>
+            <pc:sldMk cId="520858234" sldId="256"/>
+            <ac:picMk id="9" creationId="{C8987920-997C-5794-87E9-B06C875BFC66}"/>
+          </ac:picMkLst>
+        </pc:picChg>
       </pc:sldChg>
-      <pc:sldChg chg="modSp mod">
-        <pc:chgData name="Emiel van Loon" userId="e65b4030-5993-4b75-a516-2a928318c599" providerId="ADAL" clId="{5DA11BC7-1AE9-4F4E-8037-2F8D70D9B025}" dt="2024-08-26T11:53:37.164" v="610" actId="20577"/>
+      <pc:sldChg chg="addSp delSp modSp mod">
+        <pc:chgData name="Emiel van Loon" userId="e65b4030-5993-4b75-a516-2a928318c599" providerId="ADAL" clId="{5DA11BC7-1AE9-4F4E-8037-2F8D70D9B025}" dt="2024-08-26T12:59:52.380" v="768" actId="478"/>
         <pc:sldMkLst>
           <pc:docMk/>
           <pc:sldMk cId="2784041503" sldId="257"/>
@@ -192,6 +208,14 @@
             <pc:docMk/>
             <pc:sldMk cId="2784041503" sldId="257"/>
             <ac:spMk id="3" creationId="{BE89D64B-861A-AF16-B909-9413368F8488}"/>
+          </ac:spMkLst>
+        </pc:spChg>
+        <pc:spChg chg="add del mod">
+          <ac:chgData name="Emiel van Loon" userId="e65b4030-5993-4b75-a516-2a928318c599" providerId="ADAL" clId="{5DA11BC7-1AE9-4F4E-8037-2F8D70D9B025}" dt="2024-08-26T12:59:52.380" v="768" actId="478"/>
+          <ac:spMkLst>
+            <pc:docMk/>
+            <pc:sldMk cId="2784041503" sldId="257"/>
+            <ac:spMk id="6" creationId="{11CAA96E-4700-1802-6CF9-B3E5EC57CD0F}"/>
           </ac:spMkLst>
         </pc:spChg>
       </pc:sldChg>
@@ -5549,7 +5573,7 @@
         </p:blipFill>
         <p:spPr>
           <a:xfrm>
-            <a:off x="6096000" y="5533939"/>
+            <a:off x="6407870" y="5480149"/>
             <a:ext cx="5135245" cy="748279"/>
           </a:xfrm>
           <a:prstGeom prst="rect">
@@ -5585,8 +5609,44 @@
         </p:blipFill>
         <p:spPr>
           <a:xfrm>
-            <a:off x="1524000" y="5336554"/>
+            <a:off x="2811230" y="5358579"/>
             <a:ext cx="3330327" cy="971101"/>
+          </a:xfrm>
+          <a:prstGeom prst="rect">
+            <a:avLst/>
+          </a:prstGeom>
+        </p:spPr>
+      </p:pic>
+      <p:pic>
+        <p:nvPicPr>
+          <p:cNvPr id="9" name="Afbeelding 8" descr="Afbeelding met patroon, Graphics, plein, Lettertype&#10;&#10;Automatisch gegenereerde beschrijving">
+            <a:extLst>
+              <a:ext uri="{FF2B5EF4-FFF2-40B4-BE49-F238E27FC236}">
+                <a16:creationId xmlns:a16="http://schemas.microsoft.com/office/drawing/2014/main" id="{C8987920-997C-5794-87E9-B06C875BFC66}"/>
+              </a:ext>
+            </a:extLst>
+          </p:cNvPr>
+          <p:cNvPicPr>
+            <a:picLocks noChangeAspect="1"/>
+          </p:cNvPicPr>
+          <p:nvPr/>
+        </p:nvPicPr>
+        <p:blipFill>
+          <a:blip r:embed="rId5">
+            <a:extLst>
+              <a:ext uri="{28A0092B-C50C-407E-A947-70E740481C1C}">
+                <a14:useLocalDpi xmlns:a14="http://schemas.microsoft.com/office/drawing/2010/main" val="0"/>
+              </a:ext>
+            </a:extLst>
+          </a:blip>
+          <a:stretch>
+            <a:fillRect/>
+          </a:stretch>
+        </p:blipFill>
+        <p:spPr>
+          <a:xfrm>
+            <a:off x="288207" y="4589478"/>
+            <a:ext cx="1879408" cy="2032109"/>
           </a:xfrm>
           <a:prstGeom prst="rect">
             <a:avLst/>
@@ -11762,6 +11822,15 @@
 
 <file path=customXml/item1.xml><?xml version="1.0" encoding="utf-8"?>
 <?mso-contentType ?>
+<FormTemplates xmlns="http://schemas.microsoft.com/sharepoint/v3/contenttype/forms">
+  <Display>DocumentLibraryForm</Display>
+  <Edit>DocumentLibraryForm</Edit>
+  <New>DocumentLibraryForm</New>
+</FormTemplates>
+</file>
+
+<file path=customXml/item2.xml><?xml version="1.0" encoding="utf-8"?>
+<?mso-contentType ?>
 <spe:Receivers xmlns:spe="http://schemas.microsoft.com/sharepoint/events">
   <Receiver>
     <Name>Document ID Generator</Name>
@@ -11808,15 +11877,6 @@
     <Filter/>
   </Receiver>
 </spe:Receivers>
-</file>
-
-<file path=customXml/item2.xml><?xml version="1.0" encoding="utf-8"?>
-<?mso-contentType ?>
-<FormTemplates xmlns="http://schemas.microsoft.com/sharepoint/v3/contenttype/forms">
-  <Display>DocumentLibraryForm</Display>
-  <Edit>DocumentLibraryForm</Edit>
-  <New>DocumentLibraryForm</New>
-</FormTemplates>
 </file>
 
 <file path=customXml/item3.xml><?xml version="1.0" encoding="utf-8"?>
@@ -12071,17 +12131,17 @@
 </file>
 
 <file path=customXml/itemProps1.xml><?xml version="1.0" encoding="utf-8"?>
-<ds:datastoreItem xmlns:ds="http://schemas.openxmlformats.org/officeDocument/2006/customXml" ds:itemID="{9856692B-DD06-4759-84D7-87C661BE21DB}">
+<ds:datastoreItem xmlns:ds="http://schemas.openxmlformats.org/officeDocument/2006/customXml" ds:itemID="{D8FE2496-AAA2-4F17-9435-2448504EAD86}">
   <ds:schemaRefs>
-    <ds:schemaRef ds:uri="http://schemas.microsoft.com/sharepoint/events"/>
+    <ds:schemaRef ds:uri="http://schemas.microsoft.com/sharepoint/v3/contenttype/forms"/>
   </ds:schemaRefs>
 </ds:datastoreItem>
 </file>
 
 <file path=customXml/itemProps2.xml><?xml version="1.0" encoding="utf-8"?>
-<ds:datastoreItem xmlns:ds="http://schemas.openxmlformats.org/officeDocument/2006/customXml" ds:itemID="{D8FE2496-AAA2-4F17-9435-2448504EAD86}">
+<ds:datastoreItem xmlns:ds="http://schemas.openxmlformats.org/officeDocument/2006/customXml" ds:itemID="{9856692B-DD06-4759-84D7-87C661BE21DB}">
   <ds:schemaRefs>
-    <ds:schemaRef ds:uri="http://schemas.microsoft.com/sharepoint/v3/contenttype/forms"/>
+    <ds:schemaRef ds:uri="http://schemas.microsoft.com/sharepoint/events"/>
   </ds:schemaRefs>
 </ds:datastoreItem>
 </file>

--- a/persbriefing_20240828.pptx
+++ b/persbriefing_20240828.pptx
@@ -2,24 +2,24 @@
 <file path=ppt/presentation.xml><?xml version="1.0" encoding="utf-8"?>
 <p:presentation xmlns:a="http://schemas.openxmlformats.org/drawingml/2006/main" xmlns:r="http://schemas.openxmlformats.org/officeDocument/2006/relationships" xmlns:p="http://schemas.openxmlformats.org/presentationml/2006/main" showSpecialPlsOnTitleSld="0" saveSubsetFonts="1">
   <p:sldMasterIdLst>
-    <p:sldMasterId id="2147483648" r:id="rId4"/>
+    <p:sldMasterId id="2147483648" r:id="rId5"/>
   </p:sldMasterIdLst>
   <p:notesMasterIdLst>
-    <p:notesMasterId r:id="rId17"/>
+    <p:notesMasterId r:id="rId18"/>
   </p:notesMasterIdLst>
   <p:sldIdLst>
-    <p:sldId id="256" r:id="rId5"/>
-    <p:sldId id="257" r:id="rId6"/>
-    <p:sldId id="305" r:id="rId7"/>
-    <p:sldId id="279" r:id="rId8"/>
-    <p:sldId id="307" r:id="rId9"/>
-    <p:sldId id="325" r:id="rId10"/>
-    <p:sldId id="263" r:id="rId11"/>
-    <p:sldId id="324" r:id="rId12"/>
-    <p:sldId id="334" r:id="rId13"/>
-    <p:sldId id="335" r:id="rId14"/>
-    <p:sldId id="333" r:id="rId15"/>
-    <p:sldId id="332" r:id="rId16"/>
+    <p:sldId id="256" r:id="rId6"/>
+    <p:sldId id="257" r:id="rId7"/>
+    <p:sldId id="305" r:id="rId8"/>
+    <p:sldId id="279" r:id="rId9"/>
+    <p:sldId id="307" r:id="rId10"/>
+    <p:sldId id="325" r:id="rId11"/>
+    <p:sldId id="263" r:id="rId12"/>
+    <p:sldId id="324" r:id="rId13"/>
+    <p:sldId id="334" r:id="rId14"/>
+    <p:sldId id="335" r:id="rId15"/>
+    <p:sldId id="333" r:id="rId16"/>
+    <p:sldId id="332" r:id="rId17"/>
   </p:sldIdLst>
   <p:sldSz cx="12192000" cy="6858000"/>
   <p:notesSz cx="6858000" cy="9144000"/>
@@ -132,352 +132,33 @@
 </p188:authorLst>
 </file>
 
-<file path=ppt/revisionInfo.xml><?xml version="1.0" encoding="utf-8"?>
-<p1510:revInfo xmlns:a="http://schemas.openxmlformats.org/drawingml/2006/main" xmlns:r="http://schemas.openxmlformats.org/officeDocument/2006/relationships" xmlns:p1510="http://schemas.microsoft.com/office/powerpoint/2015/10/main">
-  <p1510:revLst>
-    <p1510:client id="{5DA11BC7-1AE9-4F4E-8037-2F8D70D9B025}" v="8" dt="2024-08-26T12:57:22.287"/>
-  </p1510:revLst>
-</p1510:revInfo>
-</file>
-
 <file path=ppt/changesInfos/changesInfo1.xml><?xml version="1.0" encoding="utf-8"?>
 <pc:chgInfo xmlns:a="http://schemas.openxmlformats.org/drawingml/2006/main" xmlns:r="http://schemas.openxmlformats.org/officeDocument/2006/relationships" xmlns:ac="http://schemas.microsoft.com/office/drawing/2013/main/command" xmlns:pc="http://schemas.microsoft.com/office/powerpoint/2013/main/command">
   <pc:docChgLst>
-    <pc:chgData name="Emiel van Loon" userId="e65b4030-5993-4b75-a516-2a928318c599" providerId="ADAL" clId="{5DA11BC7-1AE9-4F4E-8037-2F8D70D9B025}"/>
-    <pc:docChg chg="undo custSel modSld">
-      <pc:chgData name="Emiel van Loon" userId="e65b4030-5993-4b75-a516-2a928318c599" providerId="ADAL" clId="{5DA11BC7-1AE9-4F4E-8037-2F8D70D9B025}" dt="2024-08-26T12:59:52.380" v="768" actId="478"/>
+    <pc:chgData name="Emiel van Loon" userId="e65b4030-5993-4b75-a516-2a928318c599" providerId="ADAL" clId="{3C2B246D-0AEB-4329-A55A-5AE4539CD1F2}"/>
+    <pc:docChg chg="">
+      <pc:chgData name="Emiel van Loon" userId="e65b4030-5993-4b75-a516-2a928318c599" providerId="ADAL" clId="{3C2B246D-0AEB-4329-A55A-5AE4539CD1F2}" dt="2024-08-26T13:49:53.708" v="3"/>
       <pc:docMkLst>
         <pc:docMk/>
       </pc:docMkLst>
-      <pc:sldChg chg="addSp modSp mod">
-        <pc:chgData name="Emiel van Loon" userId="e65b4030-5993-4b75-a516-2a928318c599" providerId="ADAL" clId="{5DA11BC7-1AE9-4F4E-8037-2F8D70D9B025}" dt="2024-08-26T12:59:02.485" v="745" actId="1076"/>
-        <pc:sldMkLst>
-          <pc:docMk/>
-          <pc:sldMk cId="520858234" sldId="256"/>
-        </pc:sldMkLst>
-        <pc:spChg chg="mod">
-          <ac:chgData name="Emiel van Loon" userId="e65b4030-5993-4b75-a516-2a928318c599" providerId="ADAL" clId="{5DA11BC7-1AE9-4F4E-8037-2F8D70D9B025}" dt="2024-08-26T11:50:07.943" v="586" actId="1036"/>
-          <ac:spMkLst>
-            <pc:docMk/>
-            <pc:sldMk cId="520858234" sldId="256"/>
-            <ac:spMk id="2" creationId="{47F21844-D6DF-147C-2B6A-134B3D2DAA23}"/>
-          </ac:spMkLst>
-        </pc:spChg>
-        <pc:picChg chg="add mod">
-          <ac:chgData name="Emiel van Loon" userId="e65b4030-5993-4b75-a516-2a928318c599" providerId="ADAL" clId="{5DA11BC7-1AE9-4F4E-8037-2F8D70D9B025}" dt="2024-08-26T12:57:03.903" v="696" actId="931"/>
-          <ac:picMkLst>
-            <pc:docMk/>
-            <pc:sldMk cId="520858234" sldId="256"/>
-            <ac:picMk id="5" creationId="{54CE7BB4-7DCA-0538-AB69-5FC97134F693}"/>
-          </ac:picMkLst>
-        </pc:picChg>
-        <pc:picChg chg="mod">
-          <ac:chgData name="Emiel van Loon" userId="e65b4030-5993-4b75-a516-2a928318c599" providerId="ADAL" clId="{5DA11BC7-1AE9-4F4E-8037-2F8D70D9B025}" dt="2024-08-26T12:58:56.848" v="744" actId="1038"/>
-          <ac:picMkLst>
-            <pc:docMk/>
-            <pc:sldMk cId="520858234" sldId="256"/>
-            <ac:picMk id="6" creationId="{D9FA8465-4365-70A9-5839-F3EC4EB874B0}"/>
-          </ac:picMkLst>
-        </pc:picChg>
-        <pc:picChg chg="mod">
-          <ac:chgData name="Emiel van Loon" userId="e65b4030-5993-4b75-a516-2a928318c599" providerId="ADAL" clId="{5DA11BC7-1AE9-4F4E-8037-2F8D70D9B025}" dt="2024-08-26T12:58:56.848" v="744" actId="1038"/>
-          <ac:picMkLst>
-            <pc:docMk/>
-            <pc:sldMk cId="520858234" sldId="256"/>
-            <ac:picMk id="8" creationId="{7A3D5A34-DBE4-A728-F355-BA50B02F21E2}"/>
-          </ac:picMkLst>
-        </pc:picChg>
-        <pc:picChg chg="add mod">
-          <ac:chgData name="Emiel van Loon" userId="e65b4030-5993-4b75-a516-2a928318c599" providerId="ADAL" clId="{5DA11BC7-1AE9-4F4E-8037-2F8D70D9B025}" dt="2024-08-26T12:59:02.485" v="745" actId="1076"/>
-          <ac:picMkLst>
-            <pc:docMk/>
-            <pc:sldMk cId="520858234" sldId="256"/>
-            <ac:picMk id="9" creationId="{C8987920-997C-5794-87E9-B06C875BFC66}"/>
-          </ac:picMkLst>
-        </pc:picChg>
-      </pc:sldChg>
-      <pc:sldChg chg="addSp delSp modSp mod">
-        <pc:chgData name="Emiel van Loon" userId="e65b4030-5993-4b75-a516-2a928318c599" providerId="ADAL" clId="{5DA11BC7-1AE9-4F4E-8037-2F8D70D9B025}" dt="2024-08-26T12:59:52.380" v="768" actId="478"/>
-        <pc:sldMkLst>
-          <pc:docMk/>
-          <pc:sldMk cId="2784041503" sldId="257"/>
-        </pc:sldMkLst>
-        <pc:spChg chg="mod">
-          <ac:chgData name="Emiel van Loon" userId="e65b4030-5993-4b75-a516-2a928318c599" providerId="ADAL" clId="{5DA11BC7-1AE9-4F4E-8037-2F8D70D9B025}" dt="2024-08-26T11:53:37.164" v="610" actId="20577"/>
-          <ac:spMkLst>
-            <pc:docMk/>
-            <pc:sldMk cId="2784041503" sldId="257"/>
-            <ac:spMk id="3" creationId="{BE89D64B-861A-AF16-B909-9413368F8488}"/>
-          </ac:spMkLst>
-        </pc:spChg>
-        <pc:spChg chg="add del mod">
-          <ac:chgData name="Emiel van Loon" userId="e65b4030-5993-4b75-a516-2a928318c599" providerId="ADAL" clId="{5DA11BC7-1AE9-4F4E-8037-2F8D70D9B025}" dt="2024-08-26T12:59:52.380" v="768" actId="478"/>
-          <ac:spMkLst>
-            <pc:docMk/>
-            <pc:sldMk cId="2784041503" sldId="257"/>
-            <ac:spMk id="6" creationId="{11CAA96E-4700-1802-6CF9-B3E5EC57CD0F}"/>
-          </ac:spMkLst>
-        </pc:spChg>
-      </pc:sldChg>
-      <pc:sldChg chg="modSp mod delCm">
-        <pc:chgData name="Emiel van Loon" userId="e65b4030-5993-4b75-a516-2a928318c599" providerId="ADAL" clId="{5DA11BC7-1AE9-4F4E-8037-2F8D70D9B025}" dt="2024-08-26T11:57:34.825" v="685" actId="1037"/>
-        <pc:sldMkLst>
-          <pc:docMk/>
-          <pc:sldMk cId="187872006" sldId="263"/>
-        </pc:sldMkLst>
-        <pc:spChg chg="mod">
-          <ac:chgData name="Emiel van Loon" userId="e65b4030-5993-4b75-a516-2a928318c599" providerId="ADAL" clId="{5DA11BC7-1AE9-4F4E-8037-2F8D70D9B025}" dt="2024-08-26T11:56:54.981" v="659" actId="255"/>
-          <ac:spMkLst>
-            <pc:docMk/>
-            <pc:sldMk cId="187872006" sldId="263"/>
-            <ac:spMk id="3" creationId="{BE89D64B-861A-AF16-B909-9413368F8488}"/>
-          </ac:spMkLst>
-        </pc:spChg>
-        <pc:spChg chg="mod">
-          <ac:chgData name="Emiel van Loon" userId="e65b4030-5993-4b75-a516-2a928318c599" providerId="ADAL" clId="{5DA11BC7-1AE9-4F4E-8037-2F8D70D9B025}" dt="2024-08-26T11:57:12.188" v="660" actId="255"/>
-          <ac:spMkLst>
-            <pc:docMk/>
-            <pc:sldMk cId="187872006" sldId="263"/>
-            <ac:spMk id="4" creationId="{8E6D102E-B5C1-BB0A-DBB1-B50C9FD5FC97}"/>
-          </ac:spMkLst>
-        </pc:spChg>
-        <pc:spChg chg="mod">
-          <ac:chgData name="Emiel van Loon" userId="e65b4030-5993-4b75-a516-2a928318c599" providerId="ADAL" clId="{5DA11BC7-1AE9-4F4E-8037-2F8D70D9B025}" dt="2024-08-26T11:57:31.027" v="671" actId="255"/>
-          <ac:spMkLst>
-            <pc:docMk/>
-            <pc:sldMk cId="187872006" sldId="263"/>
-            <ac:spMk id="5" creationId="{D29B6117-9790-E145-2360-51F700047561}"/>
-          </ac:spMkLst>
-        </pc:spChg>
-        <pc:spChg chg="mod">
-          <ac:chgData name="Emiel van Loon" userId="e65b4030-5993-4b75-a516-2a928318c599" providerId="ADAL" clId="{5DA11BC7-1AE9-4F4E-8037-2F8D70D9B025}" dt="2024-08-26T11:57:19.911" v="666" actId="1035"/>
-          <ac:spMkLst>
-            <pc:docMk/>
-            <pc:sldMk cId="187872006" sldId="263"/>
-            <ac:spMk id="6" creationId="{3AA67A8C-72D5-8E6D-0C58-B8427A67FFEF}"/>
-          </ac:spMkLst>
-        </pc:spChg>
-        <pc:spChg chg="mod">
-          <ac:chgData name="Emiel van Loon" userId="e65b4030-5993-4b75-a516-2a928318c599" providerId="ADAL" clId="{5DA11BC7-1AE9-4F4E-8037-2F8D70D9B025}" dt="2024-08-26T11:57:34.825" v="685" actId="1037"/>
-          <ac:spMkLst>
-            <pc:docMk/>
-            <pc:sldMk cId="187872006" sldId="263"/>
-            <ac:spMk id="7" creationId="{EEC32A34-4604-5D65-46FC-8F0ADB773F6A}"/>
-          </ac:spMkLst>
-        </pc:spChg>
-        <pc:extLst>
-          <p:ext xmlns:p="http://schemas.openxmlformats.org/presentationml/2006/main" uri="{D6D511B9-2390-475A-947B-AFAB55BFBCF1}">
-            <pc226:cmChg xmlns:pc226="http://schemas.microsoft.com/office/powerpoint/2022/06/main/command" chg="del">
-              <pc226:chgData name="Emiel van Loon" userId="e65b4030-5993-4b75-a516-2a928318c599" providerId="ADAL" clId="{5DA11BC7-1AE9-4F4E-8037-2F8D70D9B025}" dt="2024-08-26T11:30:53.074" v="383"/>
-              <pc2:cmMkLst xmlns:pc2="http://schemas.microsoft.com/office/powerpoint/2019/9/main/command">
-                <pc:docMk/>
-                <pc:sldMk cId="187872006" sldId="263"/>
-                <pc2:cmMk id="{B8CEBA06-09C8-4A2A-BEB6-6963E3DE946A}"/>
-              </pc2:cmMkLst>
-            </pc226:cmChg>
-          </p:ext>
-        </pc:extLst>
-      </pc:sldChg>
-      <pc:sldChg chg="modSp mod">
-        <pc:chgData name="Emiel van Loon" userId="e65b4030-5993-4b75-a516-2a928318c599" providerId="ADAL" clId="{5DA11BC7-1AE9-4F4E-8037-2F8D70D9B025}" dt="2024-08-26T11:43:34.861" v="538" actId="5793"/>
-        <pc:sldMkLst>
-          <pc:docMk/>
-          <pc:sldMk cId="2711637302" sldId="279"/>
-        </pc:sldMkLst>
-        <pc:spChg chg="mod">
-          <ac:chgData name="Emiel van Loon" userId="e65b4030-5993-4b75-a516-2a928318c599" providerId="ADAL" clId="{5DA11BC7-1AE9-4F4E-8037-2F8D70D9B025}" dt="2024-08-26T11:43:34.861" v="538" actId="5793"/>
-          <ac:spMkLst>
-            <pc:docMk/>
-            <pc:sldMk cId="2711637302" sldId="279"/>
-            <ac:spMk id="3" creationId="{B09A9958-8F6A-65FF-A0A0-8F8521A73536}"/>
-          </ac:spMkLst>
-        </pc:spChg>
-      </pc:sldChg>
-      <pc:sldChg chg="modSp mod delCm modCm modNotesTx">
-        <pc:chgData name="Emiel van Loon" userId="e65b4030-5993-4b75-a516-2a928318c599" providerId="ADAL" clId="{5DA11BC7-1AE9-4F4E-8037-2F8D70D9B025}" dt="2024-08-26T11:53:23.785" v="609"/>
-        <pc:sldMkLst>
-          <pc:docMk/>
-          <pc:sldMk cId="3196879431" sldId="305"/>
-        </pc:sldMkLst>
-        <pc:spChg chg="mod">
-          <ac:chgData name="Emiel van Loon" userId="e65b4030-5993-4b75-a516-2a928318c599" providerId="ADAL" clId="{5DA11BC7-1AE9-4F4E-8037-2F8D70D9B025}" dt="2024-08-26T11:51:26.685" v="598" actId="20577"/>
-          <ac:spMkLst>
-            <pc:docMk/>
-            <pc:sldMk cId="3196879431" sldId="305"/>
-            <ac:spMk id="3" creationId="{20780071-DF50-DDD1-607F-4B5B524D958D}"/>
-          </ac:spMkLst>
-        </pc:spChg>
-        <pc:extLst>
-          <p:ext xmlns:p="http://schemas.openxmlformats.org/presentationml/2006/main" uri="{D6D511B9-2390-475A-947B-AFAB55BFBCF1}">
-            <pc226:cmChg xmlns:pc226="http://schemas.microsoft.com/office/powerpoint/2022/06/main/command" chg="del mod">
-              <pc226:chgData name="Emiel van Loon" userId="e65b4030-5993-4b75-a516-2a928318c599" providerId="ADAL" clId="{5DA11BC7-1AE9-4F4E-8037-2F8D70D9B025}" dt="2024-08-26T11:53:23.785" v="609"/>
-              <pc2:cmMkLst xmlns:pc2="http://schemas.microsoft.com/office/powerpoint/2019/9/main/command">
-                <pc:docMk/>
-                <pc:sldMk cId="3196879431" sldId="305"/>
-                <pc2:cmMk id="{C0D6CC92-2613-426B-9562-2B80694ADFE7}"/>
-              </pc2:cmMkLst>
-            </pc226:cmChg>
-          </p:ext>
-        </pc:extLst>
-      </pc:sldChg>
-      <pc:sldChg chg="modSp mod delCm modCm">
-        <pc:chgData name="Emiel van Loon" userId="e65b4030-5993-4b75-a516-2a928318c599" providerId="ADAL" clId="{5DA11BC7-1AE9-4F4E-8037-2F8D70D9B025}" dt="2024-08-26T11:42:58.489" v="532" actId="255"/>
-        <pc:sldMkLst>
-          <pc:docMk/>
-          <pc:sldMk cId="2164523728" sldId="307"/>
-        </pc:sldMkLst>
-        <pc:spChg chg="mod">
-          <ac:chgData name="Emiel van Loon" userId="e65b4030-5993-4b75-a516-2a928318c599" providerId="ADAL" clId="{5DA11BC7-1AE9-4F4E-8037-2F8D70D9B025}" dt="2024-08-26T11:42:58.489" v="532" actId="255"/>
-          <ac:spMkLst>
-            <pc:docMk/>
-            <pc:sldMk cId="2164523728" sldId="307"/>
-            <ac:spMk id="3" creationId="{B09A9958-8F6A-65FF-A0A0-8F8521A73536}"/>
-          </ac:spMkLst>
-        </pc:spChg>
-        <pc:extLst>
-          <p:ext xmlns:p="http://schemas.openxmlformats.org/presentationml/2006/main" uri="{D6D511B9-2390-475A-947B-AFAB55BFBCF1}">
-            <pc226:cmChg xmlns:pc226="http://schemas.microsoft.com/office/powerpoint/2022/06/main/command" chg="del mod">
-              <pc226:chgData name="Emiel van Loon" userId="e65b4030-5993-4b75-a516-2a928318c599" providerId="ADAL" clId="{5DA11BC7-1AE9-4F4E-8037-2F8D70D9B025}" dt="2024-08-26T11:29:04.180" v="340"/>
-              <pc2:cmMkLst xmlns:pc2="http://schemas.microsoft.com/office/powerpoint/2019/9/main/command">
-                <pc:docMk/>
-                <pc:sldMk cId="2164523728" sldId="307"/>
-                <pc2:cmMk id="{BEB6AF06-8031-4D94-9725-10A9DCB67752}"/>
-              </pc2:cmMkLst>
-            </pc226:cmChg>
-          </p:ext>
-        </pc:extLst>
-      </pc:sldChg>
-      <pc:sldChg chg="modSp mod delCm">
-        <pc:chgData name="Emiel van Loon" userId="e65b4030-5993-4b75-a516-2a928318c599" providerId="ADAL" clId="{5DA11BC7-1AE9-4F4E-8037-2F8D70D9B025}" dt="2024-08-26T11:34:25.507" v="452" actId="20577"/>
-        <pc:sldMkLst>
-          <pc:docMk/>
-          <pc:sldMk cId="416977000" sldId="324"/>
-        </pc:sldMkLst>
-        <pc:spChg chg="mod">
-          <ac:chgData name="Emiel van Loon" userId="e65b4030-5993-4b75-a516-2a928318c599" providerId="ADAL" clId="{5DA11BC7-1AE9-4F4E-8037-2F8D70D9B025}" dt="2024-08-26T11:33:28.863" v="436" actId="20577"/>
-          <ac:spMkLst>
-            <pc:docMk/>
-            <pc:sldMk cId="416977000" sldId="324"/>
-            <ac:spMk id="8" creationId="{966FF6D4-DD0F-EAA1-B04C-176513E84F67}"/>
-          </ac:spMkLst>
-        </pc:spChg>
-        <pc:spChg chg="mod">
-          <ac:chgData name="Emiel van Loon" userId="e65b4030-5993-4b75-a516-2a928318c599" providerId="ADAL" clId="{5DA11BC7-1AE9-4F4E-8037-2F8D70D9B025}" dt="2024-08-26T11:34:25.507" v="452" actId="20577"/>
-          <ac:spMkLst>
-            <pc:docMk/>
-            <pc:sldMk cId="416977000" sldId="324"/>
-            <ac:spMk id="16" creationId="{4B0B052F-B942-C7AD-E31D-98AFC1150782}"/>
-          </ac:spMkLst>
-        </pc:spChg>
-        <pc:extLst>
-          <p:ext xmlns:p="http://schemas.openxmlformats.org/presentationml/2006/main" uri="{D6D511B9-2390-475A-947B-AFAB55BFBCF1}">
-            <pc226:cmChg xmlns:pc226="http://schemas.microsoft.com/office/powerpoint/2022/06/main/command" chg="del">
-              <pc226:chgData name="Emiel van Loon" userId="e65b4030-5993-4b75-a516-2a928318c599" providerId="ADAL" clId="{5DA11BC7-1AE9-4F4E-8037-2F8D70D9B025}" dt="2024-08-26T11:32:28.959" v="431"/>
-              <pc2:cmMkLst xmlns:pc2="http://schemas.microsoft.com/office/powerpoint/2019/9/main/command">
-                <pc:docMk/>
-                <pc:sldMk cId="416977000" sldId="324"/>
-                <pc2:cmMk id="{F9B7E8FA-CA2F-4141-8AFF-67778CF8C22B}"/>
-              </pc2:cmMkLst>
-            </pc226:cmChg>
-          </p:ext>
-        </pc:extLst>
-      </pc:sldChg>
-      <pc:sldChg chg="modSp mod delCm modCm">
-        <pc:chgData name="Emiel van Loon" userId="e65b4030-5993-4b75-a516-2a928318c599" providerId="ADAL" clId="{5DA11BC7-1AE9-4F4E-8037-2F8D70D9B025}" dt="2024-08-26T11:53:49.794" v="611"/>
-        <pc:sldMkLst>
-          <pc:docMk/>
-          <pc:sldMk cId="191889902" sldId="325"/>
-        </pc:sldMkLst>
-        <pc:spChg chg="mod">
-          <ac:chgData name="Emiel van Loon" userId="e65b4030-5993-4b75-a516-2a928318c599" providerId="ADAL" clId="{5DA11BC7-1AE9-4F4E-8037-2F8D70D9B025}" dt="2024-08-26T11:52:46.470" v="608" actId="20577"/>
-          <ac:spMkLst>
-            <pc:docMk/>
-            <pc:sldMk cId="191889902" sldId="325"/>
-            <ac:spMk id="3" creationId="{B09A9958-8F6A-65FF-A0A0-8F8521A73536}"/>
-          </ac:spMkLst>
-        </pc:spChg>
-        <pc:extLst>
-          <p:ext xmlns:p="http://schemas.openxmlformats.org/presentationml/2006/main" uri="{D6D511B9-2390-475A-947B-AFAB55BFBCF1}">
-            <pc226:cmChg xmlns:pc226="http://schemas.microsoft.com/office/powerpoint/2022/06/main/command" chg="del mod">
-              <pc226:chgData name="Emiel van Loon" userId="e65b4030-5993-4b75-a516-2a928318c599" providerId="ADAL" clId="{5DA11BC7-1AE9-4F4E-8037-2F8D70D9B025}" dt="2024-08-26T11:53:49.794" v="611"/>
-              <pc2:cmMkLst xmlns:pc2="http://schemas.microsoft.com/office/powerpoint/2019/9/main/command">
-                <pc:docMk/>
-                <pc:sldMk cId="191889902" sldId="325"/>
-                <pc2:cmMk id="{2AEC2DE7-98AD-4210-91B2-E657F9979EC7}"/>
-              </pc2:cmMkLst>
-            </pc226:cmChg>
-          </p:ext>
-        </pc:extLst>
-      </pc:sldChg>
-      <pc:sldChg chg="modSp mod delCm modCm">
-        <pc:chgData name="Emiel van Loon" userId="e65b4030-5993-4b75-a516-2a928318c599" providerId="ADAL" clId="{5DA11BC7-1AE9-4F4E-8037-2F8D70D9B025}" dt="2024-08-26T11:55:49.480" v="645" actId="20577"/>
-        <pc:sldMkLst>
-          <pc:docMk/>
-          <pc:sldMk cId="741256532" sldId="332"/>
-        </pc:sldMkLst>
-        <pc:spChg chg="mod">
-          <ac:chgData name="Emiel van Loon" userId="e65b4030-5993-4b75-a516-2a928318c599" providerId="ADAL" clId="{5DA11BC7-1AE9-4F4E-8037-2F8D70D9B025}" dt="2024-08-26T11:55:49.480" v="645" actId="20577"/>
-          <ac:spMkLst>
-            <pc:docMk/>
-            <pc:sldMk cId="741256532" sldId="332"/>
-            <ac:spMk id="3" creationId="{B09A9958-8F6A-65FF-A0A0-8F8521A73536}"/>
-          </ac:spMkLst>
-        </pc:spChg>
-        <pc:extLst>
-          <p:ext xmlns:p="http://schemas.openxmlformats.org/presentationml/2006/main" uri="{D6D511B9-2390-475A-947B-AFAB55BFBCF1}">
-            <pc226:cmChg xmlns:pc226="http://schemas.microsoft.com/office/powerpoint/2022/06/main/command" chg="del mod">
-              <pc226:chgData name="Emiel van Loon" userId="e65b4030-5993-4b75-a516-2a928318c599" providerId="ADAL" clId="{5DA11BC7-1AE9-4F4E-8037-2F8D70D9B025}" dt="2024-08-26T11:38:07.372" v="464"/>
-              <pc2:cmMkLst xmlns:pc2="http://schemas.microsoft.com/office/powerpoint/2019/9/main/command">
-                <pc:docMk/>
-                <pc:sldMk cId="741256532" sldId="332"/>
-                <pc2:cmMk id="{CC0C8365-AAD2-4196-B770-12207F62C19A}"/>
-              </pc2:cmMkLst>
-            </pc226:cmChg>
-            <pc226:cmChg xmlns:pc226="http://schemas.microsoft.com/office/powerpoint/2022/06/main/command" chg="del mod">
-              <pc226:chgData name="Emiel van Loon" userId="e65b4030-5993-4b75-a516-2a928318c599" providerId="ADAL" clId="{5DA11BC7-1AE9-4F4E-8037-2F8D70D9B025}" dt="2024-08-26T11:37:55.794" v="462"/>
-              <pc2:cmMkLst xmlns:pc2="http://schemas.microsoft.com/office/powerpoint/2019/9/main/command">
-                <pc:docMk/>
-                <pc:sldMk cId="741256532" sldId="332"/>
-                <pc2:cmMk id="{827463E9-2071-4AB3-A4F5-3AF9DDD8EEA1}"/>
-              </pc2:cmMkLst>
-            </pc226:cmChg>
-          </p:ext>
-        </pc:extLst>
-      </pc:sldChg>
-      <pc:sldChg chg="addSp delSp modSp mod delCm modCm">
-        <pc:chgData name="Emiel van Loon" userId="e65b4030-5993-4b75-a516-2a928318c599" providerId="ADAL" clId="{5DA11BC7-1AE9-4F4E-8037-2F8D70D9B025}" dt="2024-08-26T11:55:21.122" v="638" actId="20577"/>
+      <pc:sldChg chg="delCm">
+        <pc:chgData name="Emiel van Loon" userId="e65b4030-5993-4b75-a516-2a928318c599" providerId="ADAL" clId="{3C2B246D-0AEB-4329-A55A-5AE4539CD1F2}" dt="2024-08-26T13:49:36.900" v="2"/>
         <pc:sldMkLst>
           <pc:docMk/>
           <pc:sldMk cId="492729418" sldId="333"/>
         </pc:sldMkLst>
-        <pc:spChg chg="mod">
-          <ac:chgData name="Emiel van Loon" userId="e65b4030-5993-4b75-a516-2a928318c599" providerId="ADAL" clId="{5DA11BC7-1AE9-4F4E-8037-2F8D70D9B025}" dt="2024-08-26T11:55:21.122" v="638" actId="20577"/>
-          <ac:spMkLst>
-            <pc:docMk/>
-            <pc:sldMk cId="492729418" sldId="333"/>
-            <ac:spMk id="3" creationId="{B09A9958-8F6A-65FF-A0A0-8F8521A73536}"/>
-          </ac:spMkLst>
-        </pc:spChg>
-        <pc:picChg chg="add mod">
-          <ac:chgData name="Emiel van Loon" userId="e65b4030-5993-4b75-a516-2a928318c599" providerId="ADAL" clId="{5DA11BC7-1AE9-4F4E-8037-2F8D70D9B025}" dt="2024-08-26T11:38:51.509" v="471"/>
-          <ac:picMkLst>
-            <pc:docMk/>
-            <pc:sldMk cId="492729418" sldId="333"/>
-            <ac:picMk id="4" creationId="{5D2B5488-9D6F-26DC-81A7-46CCD5D58DE5}"/>
-          </ac:picMkLst>
-        </pc:picChg>
-        <pc:picChg chg="del mod">
-          <ac:chgData name="Emiel van Loon" userId="e65b4030-5993-4b75-a516-2a928318c599" providerId="ADAL" clId="{5DA11BC7-1AE9-4F4E-8037-2F8D70D9B025}" dt="2024-08-26T11:38:51.060" v="470" actId="478"/>
-          <ac:picMkLst>
-            <pc:docMk/>
-            <pc:sldMk cId="492729418" sldId="333"/>
-            <ac:picMk id="5" creationId="{6E38D2FF-DF5D-B75C-EEC9-E733776F2CE7}"/>
-          </ac:picMkLst>
-        </pc:picChg>
         <pc:extLst>
           <p:ext xmlns:p="http://schemas.openxmlformats.org/presentationml/2006/main" uri="{D6D511B9-2390-475A-947B-AFAB55BFBCF1}">
-            <pc226:cmChg xmlns:pc226="http://schemas.microsoft.com/office/powerpoint/2022/06/main/command" chg="mod">
-              <pc226:chgData name="Emiel van Loon" userId="e65b4030-5993-4b75-a516-2a928318c599" providerId="ADAL" clId="{5DA11BC7-1AE9-4F4E-8037-2F8D70D9B025}" dt="2024-08-26T11:55:21.122" v="638" actId="20577"/>
+            <pc226:cmChg xmlns:pc226="http://schemas.microsoft.com/office/powerpoint/2022/06/main/command" chg="del">
+              <pc226:chgData name="Emiel van Loon" userId="e65b4030-5993-4b75-a516-2a928318c599" providerId="ADAL" clId="{3C2B246D-0AEB-4329-A55A-5AE4539CD1F2}" dt="2024-08-26T13:49:33.896" v="1"/>
+              <pc2:cmMkLst xmlns:pc2="http://schemas.microsoft.com/office/powerpoint/2019/9/main/command">
+                <pc:docMk/>
+                <pc:sldMk cId="492729418" sldId="333"/>
+                <pc2:cmMk id="{7FB8A81B-AD86-4D5B-82CC-8FF3EA096AB4}"/>
+              </pc2:cmMkLst>
+            </pc226:cmChg>
+            <pc226:cmChg xmlns:pc226="http://schemas.microsoft.com/office/powerpoint/2022/06/main/command" chg="del">
+              <pc226:chgData name="Emiel van Loon" userId="e65b4030-5993-4b75-a516-2a928318c599" providerId="ADAL" clId="{3C2B246D-0AEB-4329-A55A-5AE4539CD1F2}" dt="2024-08-26T13:49:18.253" v="0"/>
               <pc2:cmMkLst xmlns:pc2="http://schemas.microsoft.com/office/powerpoint/2019/9/main/command">
                 <pc:docMk/>
                 <pc:sldMk cId="492729418" sldId="333"/>
@@ -485,15 +166,7 @@
               </pc2:cmMkLst>
             </pc226:cmChg>
             <pc226:cmChg xmlns:pc226="http://schemas.microsoft.com/office/powerpoint/2022/06/main/command" chg="del">
-              <pc226:chgData name="Emiel van Loon" userId="e65b4030-5993-4b75-a516-2a928318c599" providerId="ADAL" clId="{5DA11BC7-1AE9-4F4E-8037-2F8D70D9B025}" dt="2024-08-26T11:36:11.766" v="457"/>
-              <pc2:cmMkLst xmlns:pc2="http://schemas.microsoft.com/office/powerpoint/2019/9/main/command">
-                <pc:docMk/>
-                <pc:sldMk cId="492729418" sldId="333"/>
-                <pc2:cmMk id="{788F4899-A500-457B-A399-FA29F1115BA7}"/>
-              </pc2:cmMkLst>
-            </pc226:cmChg>
-            <pc226:cmChg xmlns:pc226="http://schemas.microsoft.com/office/powerpoint/2022/06/main/command" chg="mod">
-              <pc226:chgData name="Emiel van Loon" userId="e65b4030-5993-4b75-a516-2a928318c599" providerId="ADAL" clId="{5DA11BC7-1AE9-4F4E-8037-2F8D70D9B025}" dt="2024-08-26T11:55:21.122" v="638" actId="20577"/>
+              <pc226:chgData name="Emiel van Loon" userId="e65b4030-5993-4b75-a516-2a928318c599" providerId="ADAL" clId="{3C2B246D-0AEB-4329-A55A-5AE4539CD1F2}" dt="2024-08-26T13:49:36.900" v="2"/>
               <pc2:cmMkLst xmlns:pc2="http://schemas.microsoft.com/office/powerpoint/2019/9/main/command">
                 <pc:docMk/>
                 <pc:sldMk cId="492729418" sldId="333"/>
@@ -503,48 +176,16 @@
           </p:ext>
         </pc:extLst>
       </pc:sldChg>
-      <pc:sldChg chg="addSp delSp modSp mod modCm">
-        <pc:chgData name="Emiel van Loon" userId="e65b4030-5993-4b75-a516-2a928318c599" providerId="ADAL" clId="{5DA11BC7-1AE9-4F4E-8037-2F8D70D9B025}" dt="2024-08-26T11:56:05.997" v="647" actId="20577"/>
+      <pc:sldChg chg="delCm">
+        <pc:chgData name="Emiel van Loon" userId="e65b4030-5993-4b75-a516-2a928318c599" providerId="ADAL" clId="{3C2B246D-0AEB-4329-A55A-5AE4539CD1F2}" dt="2024-08-26T13:49:53.708" v="3"/>
         <pc:sldMkLst>
           <pc:docMk/>
           <pc:sldMk cId="26252108" sldId="334"/>
         </pc:sldMkLst>
-        <pc:spChg chg="add mod">
-          <ac:chgData name="Emiel van Loon" userId="e65b4030-5993-4b75-a516-2a928318c599" providerId="ADAL" clId="{5DA11BC7-1AE9-4F4E-8037-2F8D70D9B025}" dt="2024-08-26T11:34:21.400" v="451" actId="20577"/>
-          <ac:spMkLst>
-            <pc:docMk/>
-            <pc:sldMk cId="26252108" sldId="334"/>
-            <ac:spMk id="4" creationId="{923D5A8F-2C6E-FE76-9D64-EB294B6E88A8}"/>
-          </ac:spMkLst>
-        </pc:spChg>
-        <pc:spChg chg="mod">
-          <ac:chgData name="Emiel van Loon" userId="e65b4030-5993-4b75-a516-2a928318c599" providerId="ADAL" clId="{5DA11BC7-1AE9-4F4E-8037-2F8D70D9B025}" dt="2024-08-26T11:33:35.654" v="437" actId="207"/>
-          <ac:spMkLst>
-            <pc:docMk/>
-            <pc:sldMk cId="26252108" sldId="334"/>
-            <ac:spMk id="8" creationId="{966FF6D4-DD0F-EAA1-B04C-176513E84F67}"/>
-          </ac:spMkLst>
-        </pc:spChg>
-        <pc:spChg chg="mod">
-          <ac:chgData name="Emiel van Loon" userId="e65b4030-5993-4b75-a516-2a928318c599" providerId="ADAL" clId="{5DA11BC7-1AE9-4F4E-8037-2F8D70D9B025}" dt="2024-08-26T11:56:05.997" v="647" actId="20577"/>
-          <ac:spMkLst>
-            <pc:docMk/>
-            <pc:sldMk cId="26252108" sldId="334"/>
-            <ac:spMk id="11" creationId="{A7B0CFB9-429B-EB14-0F9F-A05143519A8F}"/>
-          </ac:spMkLst>
-        </pc:spChg>
-        <pc:spChg chg="del">
-          <ac:chgData name="Emiel van Loon" userId="e65b4030-5993-4b75-a516-2a928318c599" providerId="ADAL" clId="{5DA11BC7-1AE9-4F4E-8037-2F8D70D9B025}" dt="2024-08-26T11:32:48.031" v="432" actId="478"/>
-          <ac:spMkLst>
-            <pc:docMk/>
-            <pc:sldMk cId="26252108" sldId="334"/>
-            <ac:spMk id="16" creationId="{4B0B052F-B942-C7AD-E31D-98AFC1150782}"/>
-          </ac:spMkLst>
-        </pc:spChg>
         <pc:extLst>
           <p:ext xmlns:p="http://schemas.openxmlformats.org/presentationml/2006/main" uri="{D6D511B9-2390-475A-947B-AFAB55BFBCF1}">
-            <pc226:cmChg xmlns:pc226="http://schemas.microsoft.com/office/powerpoint/2022/06/main/command" chg="mod">
-              <pc226:chgData name="Emiel van Loon" userId="e65b4030-5993-4b75-a516-2a928318c599" providerId="ADAL" clId="{5DA11BC7-1AE9-4F4E-8037-2F8D70D9B025}" dt="2024-08-26T11:56:05.997" v="647" actId="20577"/>
+            <pc226:cmChg xmlns:pc226="http://schemas.microsoft.com/office/powerpoint/2022/06/main/command" chg="del">
+              <pc226:chgData name="Emiel van Loon" userId="e65b4030-5993-4b75-a516-2a928318c599" providerId="ADAL" clId="{3C2B246D-0AEB-4329-A55A-5AE4539CD1F2}" dt="2024-08-26T13:49:53.708" v="3"/>
               <pc2:cmMkLst xmlns:pc2="http://schemas.microsoft.com/office/powerpoint/2019/9/main/command">
                 <pc:docMk/>
                 <pc:sldMk cId="26252108" sldId="334"/>
@@ -554,170 +195,9 @@
           </p:ext>
         </pc:extLst>
       </pc:sldChg>
-      <pc:sldChg chg="addSp delSp modSp mod">
-        <pc:chgData name="Emiel van Loon" userId="e65b4030-5993-4b75-a516-2a928318c599" providerId="ADAL" clId="{5DA11BC7-1AE9-4F4E-8037-2F8D70D9B025}" dt="2024-08-26T11:41:49.977" v="527"/>
-        <pc:sldMkLst>
-          <pc:docMk/>
-          <pc:sldMk cId="3432696798" sldId="335"/>
-        </pc:sldMkLst>
-        <pc:spChg chg="add mod">
-          <ac:chgData name="Emiel van Loon" userId="e65b4030-5993-4b75-a516-2a928318c599" providerId="ADAL" clId="{5DA11BC7-1AE9-4F4E-8037-2F8D70D9B025}" dt="2024-08-26T11:34:35.044" v="454"/>
-          <ac:spMkLst>
-            <pc:docMk/>
-            <pc:sldMk cId="3432696798" sldId="335"/>
-            <ac:spMk id="4" creationId="{3CC5AD93-35A0-A92A-CC88-1B0C6E8B4342}"/>
-          </ac:spMkLst>
-        </pc:spChg>
-        <pc:spChg chg="mod">
-          <ac:chgData name="Emiel van Loon" userId="e65b4030-5993-4b75-a516-2a928318c599" providerId="ADAL" clId="{5DA11BC7-1AE9-4F4E-8037-2F8D70D9B025}" dt="2024-08-26T11:40:15.780" v="514" actId="1036"/>
-          <ac:spMkLst>
-            <pc:docMk/>
-            <pc:sldMk cId="3432696798" sldId="335"/>
-            <ac:spMk id="6" creationId="{F3236466-7897-ADD3-00BF-C5AA68F50C19}"/>
-          </ac:spMkLst>
-        </pc:spChg>
-        <pc:spChg chg="add mod">
-          <ac:chgData name="Emiel van Loon" userId="e65b4030-5993-4b75-a516-2a928318c599" providerId="ADAL" clId="{5DA11BC7-1AE9-4F4E-8037-2F8D70D9B025}" dt="2024-08-26T11:41:49.977" v="527"/>
-          <ac:spMkLst>
-            <pc:docMk/>
-            <pc:sldMk cId="3432696798" sldId="335"/>
-            <ac:spMk id="7" creationId="{CE3D5608-E344-B2C6-46F3-FE85FF60F8C9}"/>
-          </ac:spMkLst>
-        </pc:spChg>
-        <pc:spChg chg="mod">
-          <ac:chgData name="Emiel van Loon" userId="e65b4030-5993-4b75-a516-2a928318c599" providerId="ADAL" clId="{5DA11BC7-1AE9-4F4E-8037-2F8D70D9B025}" dt="2024-08-26T11:33:46.500" v="438" actId="207"/>
-          <ac:spMkLst>
-            <pc:docMk/>
-            <pc:sldMk cId="3432696798" sldId="335"/>
-            <ac:spMk id="8" creationId="{966FF6D4-DD0F-EAA1-B04C-176513E84F67}"/>
-          </ac:spMkLst>
-        </pc:spChg>
-        <pc:spChg chg="del mod">
-          <ac:chgData name="Emiel van Loon" userId="e65b4030-5993-4b75-a516-2a928318c599" providerId="ADAL" clId="{5DA11BC7-1AE9-4F4E-8037-2F8D70D9B025}" dt="2024-08-26T11:41:49.062" v="526" actId="478"/>
-          <ac:spMkLst>
-            <pc:docMk/>
-            <pc:sldMk cId="3432696798" sldId="335"/>
-            <ac:spMk id="9" creationId="{C5DDB2B8-1C14-6513-4062-F8D569C67906}"/>
-          </ac:spMkLst>
-        </pc:spChg>
-        <pc:spChg chg="mod">
-          <ac:chgData name="Emiel van Loon" userId="e65b4030-5993-4b75-a516-2a928318c599" providerId="ADAL" clId="{5DA11BC7-1AE9-4F4E-8037-2F8D70D9B025}" dt="2024-08-26T11:40:15.780" v="514" actId="1036"/>
-          <ac:spMkLst>
-            <pc:docMk/>
-            <pc:sldMk cId="3432696798" sldId="335"/>
-            <ac:spMk id="13" creationId="{EEA07F67-8C22-4FF6-FCD0-AFD25D387065}"/>
-          </ac:spMkLst>
-        </pc:spChg>
-        <pc:spChg chg="del mod">
-          <ac:chgData name="Emiel van Loon" userId="e65b4030-5993-4b75-a516-2a928318c599" providerId="ADAL" clId="{5DA11BC7-1AE9-4F4E-8037-2F8D70D9B025}" dt="2024-08-26T11:34:34.469" v="453" actId="478"/>
-          <ac:spMkLst>
-            <pc:docMk/>
-            <pc:sldMk cId="3432696798" sldId="335"/>
-            <ac:spMk id="16" creationId="{4B0B052F-B942-C7AD-E31D-98AFC1150782}"/>
-          </ac:spMkLst>
-        </pc:spChg>
-        <pc:spChg chg="mod">
-          <ac:chgData name="Emiel van Loon" userId="e65b4030-5993-4b75-a516-2a928318c599" providerId="ADAL" clId="{5DA11BC7-1AE9-4F4E-8037-2F8D70D9B025}" dt="2024-08-26T11:34:12.974" v="449" actId="20577"/>
-          <ac:spMkLst>
-            <pc:docMk/>
-            <pc:sldMk cId="3432696798" sldId="335"/>
-            <ac:spMk id="18" creationId="{BE73C389-EAF7-79F4-7E40-DA1BCE7A999C}"/>
-          </ac:spMkLst>
-        </pc:spChg>
-      </pc:sldChg>
     </pc:docChg>
   </pc:docChgLst>
 </pc:chgInfo>
-</file>
-
-<file path=ppt/comments/modernComment_14D_1D5E744A.xml><?xml version="1.0" encoding="utf-8"?>
-<p188:cmLst xmlns:a="http://schemas.openxmlformats.org/drawingml/2006/main" xmlns:r="http://schemas.openxmlformats.org/officeDocument/2006/relationships" xmlns:p188="http://schemas.microsoft.com/office/powerpoint/2018/8/main">
-  <p188:cm id="{7FB8A81B-AD86-4D5B-82CC-8FF3EA096AB4}" authorId="{6D87E091-5AED-F3FC-99B0-694AE4E485DE}" created="2024-08-26T08:16:41.314">
-    <ac:deMkLst xmlns:ac="http://schemas.microsoft.com/office/drawing/2013/main/command">
-      <pc:docMk xmlns:pc="http://schemas.microsoft.com/office/powerpoint/2013/main/command"/>
-      <pc:sldMk xmlns:pc="http://schemas.microsoft.com/office/powerpoint/2013/main/command" cId="492729418" sldId="333"/>
-      <ac:spMk id="2" creationId="{C314B3A7-DDFE-9864-01C3-8FD94F6A8319}"/>
-    </ac:deMkLst>
-    <p188:txBody>
-      <a:bodyPr/>
-      <a:lstStyle/>
-      <a:p>
-        <a:r>
-          <a:rPr lang="nl-NL"/>
-          <a:t>Mis de overall conclusie dat de zwaktes samenhangen met locatie en niet meer grootte!!!!!</a:t>
-        </a:r>
-      </a:p>
-    </p188:txBody>
-  </p188:cm>
-  <p188:cm id="{F4E49D6F-7B15-42F0-8A3F-EA81B1E89CC4}" authorId="{6D87E091-5AED-F3FC-99B0-694AE4E485DE}" created="2024-08-26T08:17:06.698">
-    <ac:txMkLst xmlns:ac="http://schemas.microsoft.com/office/drawing/2013/main/command">
-      <pc:docMk xmlns:pc="http://schemas.microsoft.com/office/powerpoint/2013/main/command"/>
-      <pc:sldMk xmlns:pc="http://schemas.microsoft.com/office/powerpoint/2013/main/command" cId="492729418" sldId="333"/>
-      <ac:spMk id="3" creationId="{B09A9958-8F6A-65FF-A0A0-8F8521A73536}"/>
-      <ac:txMk cp="464" len="128">
-        <ac:context len="661" hash="1303463841"/>
-      </ac:txMk>
-    </ac:txMkLst>
-    <p188:pos x="9286875" y="2720160"/>
-    <p188:txBody>
-      <a:bodyPr/>
-      <a:lstStyle/>
-      <a:p>
-        <a:r>
-          <a:rPr lang="nl-NL"/>
-          <a:t>Is geen conclusie maar een aanbeveling. Wil sowieso dat niet erg benadrukken</a:t>
-        </a:r>
-      </a:p>
-    </p188:txBody>
-  </p188:cm>
-  <p188:cm id="{3FEB34FB-35A1-4B1D-B7CA-70B09E125B78}" authorId="{6D87E091-5AED-F3FC-99B0-694AE4E485DE}" created="2024-08-26T08:17:22.676">
-    <ac:txMkLst xmlns:ac="http://schemas.microsoft.com/office/drawing/2013/main/command">
-      <pc:docMk xmlns:pc="http://schemas.microsoft.com/office/powerpoint/2013/main/command"/>
-      <pc:sldMk xmlns:pc="http://schemas.microsoft.com/office/powerpoint/2013/main/command" cId="492729418" sldId="333"/>
-      <ac:spMk id="3" creationId="{B09A9958-8F6A-65FF-A0A0-8F8521A73536}"/>
-      <ac:txMk cp="417">
-        <ac:context len="661" hash="1303463841"/>
-      </ac:txMk>
-    </ac:txMkLst>
-    <p188:pos x="9515475" y="3796485"/>
-    <p188:txBody>
-      <a:bodyPr/>
-      <a:lstStyle/>
-      <a:p>
-        <a:r>
-          <a:rPr lang="nl-NL"/>
-          <a:t>??? bullet</a:t>
-        </a:r>
-      </a:p>
-    </p188:txBody>
-  </p188:cm>
-</p188:cmLst>
-</file>
-
-<file path=ppt/comments/modernComment_14E_190934C.xml><?xml version="1.0" encoding="utf-8"?>
-<p188:cmLst xmlns:a="http://schemas.openxmlformats.org/drawingml/2006/main" xmlns:r="http://schemas.openxmlformats.org/officeDocument/2006/relationships" xmlns:p188="http://schemas.microsoft.com/office/powerpoint/2018/8/main">
-  <p188:cm id="{CD7609CD-802D-4A34-9F26-F89978F6485D}" authorId="{6D87E091-5AED-F3FC-99B0-694AE4E485DE}" created="2024-08-26T08:15:07.676">
-    <ac:txMkLst xmlns:ac="http://schemas.microsoft.com/office/drawing/2013/main/command">
-      <pc:docMk xmlns:pc="http://schemas.microsoft.com/office/powerpoint/2013/main/command"/>
-      <pc:sldMk xmlns:pc="http://schemas.microsoft.com/office/powerpoint/2013/main/command" cId="26252108" sldId="334"/>
-      <ac:spMk id="11" creationId="{A7B0CFB9-429B-EB14-0F9F-A05143519A8F}"/>
-      <ac:txMk cp="17" len="54">
-        <ac:context len="117" hash="1979893279"/>
-      </ac:txMk>
-    </ac:txMkLst>
-    <p188:pos x="3826014" y="265452"/>
-    <p188:txBody>
-      <a:bodyPr/>
-      <a:lstStyle/>
-      <a:p>
-        <a:r>
-          <a:rPr lang="nl-NL"/>
-          <a:t>Altijd nodig!</a:t>
-        </a:r>
-      </a:p>
-    </p188:txBody>
-  </p188:cm>
-</p188:cmLst>
 </file>
 
 <file path=ppt/notesMasters/notesMaster1.xml><?xml version="1.0" encoding="utf-8"?>
@@ -7121,7 +6601,7 @@
           <p:nvPr/>
         </p:nvPicPr>
         <p:blipFill>
-          <a:blip r:embed="rId4">
+          <a:blip r:embed="rId3">
             <a:alphaModFix amt="50000"/>
           </a:blip>
           <a:stretch>
@@ -7148,11 +6628,6 @@
   <p:clrMapOvr>
     <a:masterClrMapping/>
   </p:clrMapOvr>
-  <p:extLst>
-    <p:ext uri="{6950BFC3-D8DA-4A85-94F7-54DA5524770B}">
-      <p188:commentRel xmlns:p188="http://schemas.microsoft.com/office/powerpoint/2018/8/main" r:id="rId3"/>
-    </p:ext>
-  </p:extLst>
 </p:sld>
 </file>
 
@@ -11148,7 +10623,7 @@
           <p:nvPr/>
         </p:nvPicPr>
         <p:blipFill>
-          <a:blip r:embed="rId4">
+          <a:blip r:embed="rId3">
             <a:alphaModFix amt="50000"/>
           </a:blip>
           <a:stretch>
@@ -11222,11 +10697,6 @@
   <p:clrMapOvr>
     <a:masterClrMapping/>
   </p:clrMapOvr>
-  <p:extLst>
-    <p:ext uri="{6950BFC3-D8DA-4A85-94F7-54DA5524770B}">
-      <p188:commentRel xmlns:p188="http://schemas.microsoft.com/office/powerpoint/2018/8/main" r:id="rId3"/>
-    </p:ext>
-  </p:extLst>
 </p:sld>
 </file>
 
@@ -11822,15 +11292,6 @@
 
 <file path=customXml/item1.xml><?xml version="1.0" encoding="utf-8"?>
 <?mso-contentType ?>
-<FormTemplates xmlns="http://schemas.microsoft.com/sharepoint/v3/contenttype/forms">
-  <Display>DocumentLibraryForm</Display>
-  <Edit>DocumentLibraryForm</Edit>
-  <New>DocumentLibraryForm</New>
-</FormTemplates>
-</file>
-
-<file path=customXml/item2.xml><?xml version="1.0" encoding="utf-8"?>
-<?mso-contentType ?>
 <spe:Receivers xmlns:spe="http://schemas.microsoft.com/sharepoint/events">
   <Receiver>
     <Name>Document ID Generator</Name>
@@ -11877,6 +11338,15 @@
     <Filter/>
   </Receiver>
 </spe:Receivers>
+</file>
+
+<file path=customXml/item2.xml><?xml version="1.0" encoding="utf-8"?>
+<?mso-contentType ?>
+<FormTemplates xmlns="http://schemas.microsoft.com/sharepoint/v3/contenttype/forms">
+  <Display>DocumentLibraryForm</Display>
+  <Edit>DocumentLibraryForm</Edit>
+  <New>DocumentLibraryForm</New>
+</FormTemplates>
 </file>
 
 <file path=customXml/item3.xml><?xml version="1.0" encoding="utf-8"?>
@@ -12130,18 +11600,40 @@
 </ct:contentTypeSchema>
 </file>
 
+<file path=customXml/item4.xml><?xml version="1.0" encoding="utf-8"?>
+<p:properties xmlns:p="http://schemas.microsoft.com/office/2006/metadata/properties" xmlns:xsi="http://www.w3.org/2001/XMLSchema-instance" xmlns:pc="http://schemas.microsoft.com/office/infopath/2007/PartnerControls">
+  <documentManagement>
+    <TNOC_ClusterName xmlns="2f6a910d-138e-42c1-8e8a-320c1b7cf3f7" xsi:nil="true"/>
+    <h15fbb78f4cb41d290e72f301ea2865f xmlns="0e39c402-577a-4293-b233-21fe7d53260f">
+      <Terms xmlns="http://schemas.microsoft.com/office/infopath/2007/PartnerControls"/>
+    </h15fbb78f4cb41d290e72f301ea2865f>
+    <lca20d149a844688b6abf34073d5c21d xmlns="0e39c402-577a-4293-b233-21fe7d53260f">
+      <Terms xmlns="http://schemas.microsoft.com/office/infopath/2007/PartnerControls"/>
+    </lca20d149a844688b6abf34073d5c21d>
+    <TNOC_ClusterId xmlns="2f6a910d-138e-42c1-8e8a-320c1b7cf3f7" xsi:nil="true"/>
+    <n2a7a23bcc2241cb9261f9a914c7c1bb xmlns="0e39c402-577a-4293-b233-21fe7d53260f">
+      <Terms xmlns="http://schemas.microsoft.com/office/infopath/2007/PartnerControls"/>
+    </n2a7a23bcc2241cb9261f9a914c7c1bb>
+    <TaxCatchAll xmlns="0e39c402-577a-4293-b233-21fe7d53260f"/>
+    <bac4ab11065f4f6c809c820c57e320e5 xmlns="0e39c402-577a-4293-b233-21fe7d53260f">
+      <Terms xmlns="http://schemas.microsoft.com/office/infopath/2007/PartnerControls"/>
+    </bac4ab11065f4f6c809c820c57e320e5>
+  </documentManagement>
+</p:properties>
+</file>
+
 <file path=customXml/itemProps1.xml><?xml version="1.0" encoding="utf-8"?>
-<ds:datastoreItem xmlns:ds="http://schemas.openxmlformats.org/officeDocument/2006/customXml" ds:itemID="{D8FE2496-AAA2-4F17-9435-2448504EAD86}">
+<ds:datastoreItem xmlns:ds="http://schemas.openxmlformats.org/officeDocument/2006/customXml" ds:itemID="{9856692B-DD06-4759-84D7-87C661BE21DB}">
   <ds:schemaRefs>
-    <ds:schemaRef ds:uri="http://schemas.microsoft.com/sharepoint/v3/contenttype/forms"/>
+    <ds:schemaRef ds:uri="http://schemas.microsoft.com/sharepoint/events"/>
   </ds:schemaRefs>
 </ds:datastoreItem>
 </file>
 
 <file path=customXml/itemProps2.xml><?xml version="1.0" encoding="utf-8"?>
-<ds:datastoreItem xmlns:ds="http://schemas.openxmlformats.org/officeDocument/2006/customXml" ds:itemID="{9856692B-DD06-4759-84D7-87C661BE21DB}">
+<ds:datastoreItem xmlns:ds="http://schemas.openxmlformats.org/officeDocument/2006/customXml" ds:itemID="{D8FE2496-AAA2-4F17-9435-2448504EAD86}">
   <ds:schemaRefs>
-    <ds:schemaRef ds:uri="http://schemas.microsoft.com/sharepoint/events"/>
+    <ds:schemaRef ds:uri="http://schemas.microsoft.com/sharepoint/v3/contenttype/forms"/>
   </ds:schemaRefs>
 </ds:datastoreItem>
 </file>
@@ -12164,4 +11656,15 @@
     <ds:schemaRef ds:uri="http://schemas.microsoft.com/internal/obd"/>
   </ds:schemaRefs>
 </ds:datastoreItem>
+</file>
+
+<file path=customXml/itemProps4.xml><?xml version="1.0" encoding="utf-8"?>
+<ds:datastoreItem xmlns:ds="http://schemas.openxmlformats.org/officeDocument/2006/customXml" ds:itemID="{5B0927FD-2582-4AE9-BB18-9F28CA3E1FE9}">
+  <ds:schemaRefs>
+    <ds:schemaRef ds:uri="http://schemas.microsoft.com/office/2006/metadata/properties"/>
+    <ds:schemaRef ds:uri="http://schemas.microsoft.com/office/infopath/2007/PartnerControls"/>
+    <ds:schemaRef ds:uri="2f6a910d-138e-42c1-8e8a-320c1b7cf3f7"/>
+    <ds:schemaRef ds:uri="0e39c402-577a-4293-b233-21fe7d53260f"/>
+  </ds:schemaRefs>
+</ds:datastoreItem>
 </file>
--- a/persbriefing_20240828.pptx
+++ b/persbriefing_20240828.pptx
@@ -132,21 +132,60 @@
 </p188:authorLst>
 </file>
 
+<file path=ppt/revisionInfo.xml><?xml version="1.0" encoding="utf-8"?>
+<p1510:revInfo xmlns:a="http://schemas.openxmlformats.org/drawingml/2006/main" xmlns:r="http://schemas.openxmlformats.org/officeDocument/2006/relationships" xmlns:p1510="http://schemas.microsoft.com/office/powerpoint/2015/10/main">
+  <p1510:revLst>
+    <p1510:client id="{3C2B246D-0AEB-4329-A55A-5AE4539CD1F2}" v="2" dt="2024-08-26T13:58:33.342"/>
+  </p1510:revLst>
+</p1510:revInfo>
+</file>
+
 <file path=ppt/changesInfos/changesInfo1.xml><?xml version="1.0" encoding="utf-8"?>
 <pc:chgInfo xmlns:a="http://schemas.openxmlformats.org/drawingml/2006/main" xmlns:r="http://schemas.openxmlformats.org/officeDocument/2006/relationships" xmlns:ac="http://schemas.microsoft.com/office/drawing/2013/main/command" xmlns:pc="http://schemas.microsoft.com/office/powerpoint/2013/main/command">
   <pc:docChgLst>
     <pc:chgData name="Emiel van Loon" userId="e65b4030-5993-4b75-a516-2a928318c599" providerId="ADAL" clId="{3C2B246D-0AEB-4329-A55A-5AE4539CD1F2}"/>
-    <pc:docChg chg="">
-      <pc:chgData name="Emiel van Loon" userId="e65b4030-5993-4b75-a516-2a928318c599" providerId="ADAL" clId="{3C2B246D-0AEB-4329-A55A-5AE4539CD1F2}" dt="2024-08-26T13:49:53.708" v="3"/>
+    <pc:docChg chg="custSel modSld">
+      <pc:chgData name="Emiel van Loon" userId="e65b4030-5993-4b75-a516-2a928318c599" providerId="ADAL" clId="{3C2B246D-0AEB-4329-A55A-5AE4539CD1F2}" dt="2024-08-27T07:34:18.991" v="48" actId="20577"/>
       <pc:docMkLst>
         <pc:docMk/>
       </pc:docMkLst>
-      <pc:sldChg chg="delCm">
-        <pc:chgData name="Emiel van Loon" userId="e65b4030-5993-4b75-a516-2a928318c599" providerId="ADAL" clId="{3C2B246D-0AEB-4329-A55A-5AE4539CD1F2}" dt="2024-08-26T13:49:36.900" v="2"/>
+      <pc:sldChg chg="addSp delSp modSp mod">
+        <pc:chgData name="Emiel van Loon" userId="e65b4030-5993-4b75-a516-2a928318c599" providerId="ADAL" clId="{3C2B246D-0AEB-4329-A55A-5AE4539CD1F2}" dt="2024-08-26T13:58:33.342" v="9"/>
+        <pc:sldMkLst>
+          <pc:docMk/>
+          <pc:sldMk cId="416977000" sldId="324"/>
+        </pc:sldMkLst>
+        <pc:spChg chg="add mod">
+          <ac:chgData name="Emiel van Loon" userId="e65b4030-5993-4b75-a516-2a928318c599" providerId="ADAL" clId="{3C2B246D-0AEB-4329-A55A-5AE4539CD1F2}" dt="2024-08-26T13:58:33.342" v="9"/>
+          <ac:spMkLst>
+            <pc:docMk/>
+            <pc:sldMk cId="416977000" sldId="324"/>
+            <ac:spMk id="4" creationId="{D8A99C61-03D3-E092-9557-B000BD46DFF5}"/>
+          </ac:spMkLst>
+        </pc:spChg>
+        <pc:spChg chg="del">
+          <ac:chgData name="Emiel van Loon" userId="e65b4030-5993-4b75-a516-2a928318c599" providerId="ADAL" clId="{3C2B246D-0AEB-4329-A55A-5AE4539CD1F2}" dt="2024-08-26T13:58:32.468" v="8" actId="478"/>
+          <ac:spMkLst>
+            <pc:docMk/>
+            <pc:sldMk cId="416977000" sldId="324"/>
+            <ac:spMk id="16" creationId="{4B0B052F-B942-C7AD-E31D-98AFC1150782}"/>
+          </ac:spMkLst>
+        </pc:spChg>
+      </pc:sldChg>
+      <pc:sldChg chg="modSp mod delCm">
+        <pc:chgData name="Emiel van Loon" userId="e65b4030-5993-4b75-a516-2a928318c599" providerId="ADAL" clId="{3C2B246D-0AEB-4329-A55A-5AE4539CD1F2}" dt="2024-08-27T07:34:18.991" v="48" actId="20577"/>
         <pc:sldMkLst>
           <pc:docMk/>
           <pc:sldMk cId="492729418" sldId="333"/>
         </pc:sldMkLst>
+        <pc:spChg chg="mod">
+          <ac:chgData name="Emiel van Loon" userId="e65b4030-5993-4b75-a516-2a928318c599" providerId="ADAL" clId="{3C2B246D-0AEB-4329-A55A-5AE4539CD1F2}" dt="2024-08-27T07:34:18.991" v="48" actId="20577"/>
+          <ac:spMkLst>
+            <pc:docMk/>
+            <pc:sldMk cId="492729418" sldId="333"/>
+            <ac:spMk id="3" creationId="{B09A9958-8F6A-65FF-A0A0-8F8521A73536}"/>
+          </ac:spMkLst>
+        </pc:spChg>
         <pc:extLst>
           <p:ext xmlns:p="http://schemas.openxmlformats.org/presentationml/2006/main" uri="{D6D511B9-2390-475A-947B-AFAB55BFBCF1}">
             <pc226:cmChg xmlns:pc226="http://schemas.microsoft.com/office/powerpoint/2022/06/main/command" chg="del">
@@ -176,12 +215,28 @@
           </p:ext>
         </pc:extLst>
       </pc:sldChg>
-      <pc:sldChg chg="delCm">
-        <pc:chgData name="Emiel van Loon" userId="e65b4030-5993-4b75-a516-2a928318c599" providerId="ADAL" clId="{3C2B246D-0AEB-4329-A55A-5AE4539CD1F2}" dt="2024-08-26T13:49:53.708" v="3"/>
+      <pc:sldChg chg="addSp delSp modSp mod delCm">
+        <pc:chgData name="Emiel van Loon" userId="e65b4030-5993-4b75-a516-2a928318c599" providerId="ADAL" clId="{3C2B246D-0AEB-4329-A55A-5AE4539CD1F2}" dt="2024-08-26T13:58:27.757" v="7"/>
         <pc:sldMkLst>
           <pc:docMk/>
           <pc:sldMk cId="26252108" sldId="334"/>
         </pc:sldMkLst>
+        <pc:spChg chg="del">
+          <ac:chgData name="Emiel van Loon" userId="e65b4030-5993-4b75-a516-2a928318c599" providerId="ADAL" clId="{3C2B246D-0AEB-4329-A55A-5AE4539CD1F2}" dt="2024-08-26T13:58:27.246" v="6" actId="478"/>
+          <ac:spMkLst>
+            <pc:docMk/>
+            <pc:sldMk cId="26252108" sldId="334"/>
+            <ac:spMk id="4" creationId="{923D5A8F-2C6E-FE76-9D64-EB294B6E88A8}"/>
+          </ac:spMkLst>
+        </pc:spChg>
+        <pc:spChg chg="add mod">
+          <ac:chgData name="Emiel van Loon" userId="e65b4030-5993-4b75-a516-2a928318c599" providerId="ADAL" clId="{3C2B246D-0AEB-4329-A55A-5AE4539CD1F2}" dt="2024-08-26T13:58:27.757" v="7"/>
+          <ac:spMkLst>
+            <pc:docMk/>
+            <pc:sldMk cId="26252108" sldId="334"/>
+            <ac:spMk id="7" creationId="{BD7906B4-46EB-5B43-277C-93FFAA6A398B}"/>
+          </ac:spMkLst>
+        </pc:spChg>
         <pc:extLst>
           <p:ext xmlns:p="http://schemas.openxmlformats.org/presentationml/2006/main" uri="{D6D511B9-2390-475A-947B-AFAB55BFBCF1}">
             <pc226:cmChg xmlns:pc226="http://schemas.microsoft.com/office/powerpoint/2022/06/main/command" chg="del">
@@ -194,6 +249,21 @@
             </pc226:cmChg>
           </p:ext>
         </pc:extLst>
+      </pc:sldChg>
+      <pc:sldChg chg="modSp mod">
+        <pc:chgData name="Emiel van Loon" userId="e65b4030-5993-4b75-a516-2a928318c599" providerId="ADAL" clId="{3C2B246D-0AEB-4329-A55A-5AE4539CD1F2}" dt="2024-08-26T13:58:14.662" v="5" actId="6549"/>
+        <pc:sldMkLst>
+          <pc:docMk/>
+          <pc:sldMk cId="3432696798" sldId="335"/>
+        </pc:sldMkLst>
+        <pc:spChg chg="mod">
+          <ac:chgData name="Emiel van Loon" userId="e65b4030-5993-4b75-a516-2a928318c599" providerId="ADAL" clId="{3C2B246D-0AEB-4329-A55A-5AE4539CD1F2}" dt="2024-08-26T13:58:14.662" v="5" actId="6549"/>
+          <ac:spMkLst>
+            <pc:docMk/>
+            <pc:sldMk cId="3432696798" sldId="335"/>
+            <ac:spMk id="4" creationId="{3CC5AD93-35A0-A92A-CC88-1B0C6E8B4342}"/>
+          </ac:spMkLst>
+        </pc:spChg>
       </pc:sldChg>
     </pc:docChg>
   </pc:docChgLst>
@@ -282,7 +352,7 @@
           <a:p>
             <a:fld id="{2B9BBBD0-B73B-4012-AB7A-CFD5F613BE19}" type="datetimeFigureOut">
               <a:rPr lang="en-NL" smtClean="0"/>
-              <a:t>26/08/2024</a:t>
+              <a:t>27/08/2024</a:t>
             </a:fld>
             <a:endParaRPr lang="en-NL"/>
           </a:p>
@@ -1796,7 +1866,7 @@
           <a:p>
             <a:fld id="{DC280176-DD7F-4631-A440-054A2BC1112E}" type="datetimeFigureOut">
               <a:rPr lang="en-NL" smtClean="0"/>
-              <a:t>26/08/2024</a:t>
+              <a:t>27/08/2024</a:t>
             </a:fld>
             <a:endParaRPr lang="en-NL"/>
           </a:p>
@@ -1996,7 +2066,7 @@
           <a:p>
             <a:fld id="{DC280176-DD7F-4631-A440-054A2BC1112E}" type="datetimeFigureOut">
               <a:rPr lang="en-NL" smtClean="0"/>
-              <a:t>26/08/2024</a:t>
+              <a:t>27/08/2024</a:t>
             </a:fld>
             <a:endParaRPr lang="en-NL"/>
           </a:p>
@@ -2206,7 +2276,7 @@
           <a:p>
             <a:fld id="{DC280176-DD7F-4631-A440-054A2BC1112E}" type="datetimeFigureOut">
               <a:rPr lang="en-NL" smtClean="0"/>
-              <a:t>26/08/2024</a:t>
+              <a:t>27/08/2024</a:t>
             </a:fld>
             <a:endParaRPr lang="en-NL"/>
           </a:p>
@@ -2406,7 +2476,7 @@
           <a:p>
             <a:fld id="{DC280176-DD7F-4631-A440-054A2BC1112E}" type="datetimeFigureOut">
               <a:rPr lang="en-NL" smtClean="0"/>
-              <a:t>26/08/2024</a:t>
+              <a:t>27/08/2024</a:t>
             </a:fld>
             <a:endParaRPr lang="en-NL"/>
           </a:p>
@@ -2682,7 +2752,7 @@
           <a:p>
             <a:fld id="{DC280176-DD7F-4631-A440-054A2BC1112E}" type="datetimeFigureOut">
               <a:rPr lang="en-NL" smtClean="0"/>
-              <a:t>26/08/2024</a:t>
+              <a:t>27/08/2024</a:t>
             </a:fld>
             <a:endParaRPr lang="en-NL"/>
           </a:p>
@@ -2950,7 +3020,7 @@
           <a:p>
             <a:fld id="{DC280176-DD7F-4631-A440-054A2BC1112E}" type="datetimeFigureOut">
               <a:rPr lang="en-NL" smtClean="0"/>
-              <a:t>26/08/2024</a:t>
+              <a:t>27/08/2024</a:t>
             </a:fld>
             <a:endParaRPr lang="en-NL"/>
           </a:p>
@@ -3365,7 +3435,7 @@
           <a:p>
             <a:fld id="{DC280176-DD7F-4631-A440-054A2BC1112E}" type="datetimeFigureOut">
               <a:rPr lang="en-NL" smtClean="0"/>
-              <a:t>26/08/2024</a:t>
+              <a:t>27/08/2024</a:t>
             </a:fld>
             <a:endParaRPr lang="en-NL"/>
           </a:p>
@@ -3507,7 +3577,7 @@
           <a:p>
             <a:fld id="{DC280176-DD7F-4631-A440-054A2BC1112E}" type="datetimeFigureOut">
               <a:rPr lang="en-NL" smtClean="0"/>
-              <a:t>26/08/2024</a:t>
+              <a:t>27/08/2024</a:t>
             </a:fld>
             <a:endParaRPr lang="en-NL"/>
           </a:p>
@@ -3620,7 +3690,7 @@
           <a:p>
             <a:fld id="{DC280176-DD7F-4631-A440-054A2BC1112E}" type="datetimeFigureOut">
               <a:rPr lang="en-NL" smtClean="0"/>
-              <a:t>26/08/2024</a:t>
+              <a:t>27/08/2024</a:t>
             </a:fld>
             <a:endParaRPr lang="en-NL"/>
           </a:p>
@@ -3933,7 +4003,7 @@
           <a:p>
             <a:fld id="{DC280176-DD7F-4631-A440-054A2BC1112E}" type="datetimeFigureOut">
               <a:rPr lang="en-NL" smtClean="0"/>
-              <a:t>26/08/2024</a:t>
+              <a:t>27/08/2024</a:t>
             </a:fld>
             <a:endParaRPr lang="en-NL"/>
           </a:p>
@@ -4222,7 +4292,7 @@
           <a:p>
             <a:fld id="{DC280176-DD7F-4631-A440-054A2BC1112E}" type="datetimeFigureOut">
               <a:rPr lang="en-NL" smtClean="0"/>
-              <a:t>26/08/2024</a:t>
+              <a:t>27/08/2024</a:t>
             </a:fld>
             <a:endParaRPr lang="en-NL"/>
           </a:p>
@@ -4465,7 +4535,7 @@
           <a:p>
             <a:fld id="{DC280176-DD7F-4631-A440-054A2BC1112E}" type="datetimeFigureOut">
               <a:rPr lang="en-NL" smtClean="0"/>
-              <a:t>26/08/2024</a:t>
+              <a:t>27/08/2024</a:t>
             </a:fld>
             <a:endParaRPr lang="en-NL"/>
           </a:p>
@@ -6314,7 +6384,7 @@
         <p:spPr>
           <a:xfrm>
             <a:off x="8171041" y="1990574"/>
-            <a:ext cx="3337791" cy="1200329"/>
+            <a:ext cx="3337791" cy="923330"/>
           </a:xfrm>
           <a:prstGeom prst="rect">
             <a:avLst/>
@@ -6336,7 +6406,7 @@
                 <a:ea typeface="Calibri" panose="020F0502020204030204" pitchFamily="34" charset="0"/>
                 <a:cs typeface="Times New Roman" panose="02020603050405020304" pitchFamily="18" charset="0"/>
               </a:rPr>
-              <a:t>Inherent aan modellering – keuzes leiden niet eerder wel tot 25 km grens maar tot begrenzing bij lage depositiewaarden.</a:t>
+              <a:t>Inherent aan modellering – keuzes leiden niet tot begrenzing bij lage depositiewaarden.</a:t>
             </a:r>
             <a:endParaRPr lang="en-NL" dirty="0">
               <a:solidFill>
@@ -6560,7 +6630,21 @@
                 <a:cs typeface="Times New Roman" panose="02020603050405020304" pitchFamily="18" charset="0"/>
                 <a:sym typeface="Wingdings" panose="05000000000000000000" pitchFamily="2" charset="2"/>
               </a:rPr>
-              <a:t>met name het depositieproces kent beperkingen die niet van de grootte van de bijdrage afhangen maar in welke mate de lokale omstandigheden met metingen in kaart zijn gebracht</a:t>
+              <a:t>met name het depositieproces kent beperkingen die niet van de grootte van de bijdrage afhangen maar van de </a:t>
+            </a:r>
+            <a:r>
+              <a:rPr lang="nl-NL" sz="2000">
+                <a:cs typeface="Times New Roman" panose="02020603050405020304" pitchFamily="18" charset="0"/>
+                <a:sym typeface="Wingdings" panose="05000000000000000000" pitchFamily="2" charset="2"/>
+              </a:rPr>
+              <a:t>mate waarin de </a:t>
+            </a:r>
+            <a:r>
+              <a:rPr lang="nl-NL" sz="2000" dirty="0">
+                <a:cs typeface="Times New Roman" panose="02020603050405020304" pitchFamily="18" charset="0"/>
+                <a:sym typeface="Wingdings" panose="05000000000000000000" pitchFamily="2" charset="2"/>
+              </a:rPr>
+              <a:t>lokale omstandigheden met metingen in kaart zijn gebracht</a:t>
             </a:r>
           </a:p>
           <a:p>
@@ -6573,7 +6657,7 @@
               <a:rPr lang="nl-NL" sz="2000" dirty="0">
                 <a:cs typeface="Times New Roman" panose="02020603050405020304" pitchFamily="18" charset="0"/>
               </a:rPr>
-              <a:t>ondergrens is mogelijk empirisch vast te stellen op basis van vergelijking tussen model en moderne metingen in veldexperimenten (maar niet mogelijk i.v.m. gebrek geschikte experimentele gegevens)</a:t>
+              <a:t>ondergrens is mogelijk empirisch vast te stellen op basis van vergelijking tussen model en moderne metingen in veldexperimenten (nu niet mogelijk i.v.m. gebrek geschikte experimentele gegevens)</a:t>
             </a:r>
           </a:p>
           <a:p>
@@ -9710,53 +9794,6 @@
           </a:p>
         </p:txBody>
       </p:sp>
-      <p:sp>
-        <p:nvSpPr>
-          <p:cNvPr id="16" name="Tekstvak 15">
-            <a:extLst>
-              <a:ext uri="{FF2B5EF4-FFF2-40B4-BE49-F238E27FC236}">
-                <a16:creationId xmlns:a16="http://schemas.microsoft.com/office/drawing/2014/main" id="{4B0B052F-B942-C7AD-E31D-98AFC1150782}"/>
-              </a:ext>
-            </a:extLst>
-          </p:cNvPr>
-          <p:cNvSpPr txBox="1"/>
-          <p:nvPr/>
-        </p:nvSpPr>
-        <p:spPr>
-          <a:xfrm>
-            <a:off x="8171041" y="1990574"/>
-            <a:ext cx="3337791" cy="1200329"/>
-          </a:xfrm>
-          <a:prstGeom prst="rect">
-            <a:avLst/>
-          </a:prstGeom>
-          <a:noFill/>
-        </p:spPr>
-        <p:txBody>
-          <a:bodyPr wrap="square">
-            <a:spAutoFit/>
-          </a:bodyPr>
-          <a:lstStyle/>
-          <a:p>
-            <a:r>
-              <a:rPr lang="nl-NL" dirty="0">
-                <a:solidFill>
-                  <a:srgbClr val="0070C0"/>
-                </a:solidFill>
-                <a:latin typeface="Calibri" panose="020F0502020204030204" pitchFamily="34" charset="0"/>
-                <a:ea typeface="Calibri" panose="020F0502020204030204" pitchFamily="34" charset="0"/>
-                <a:cs typeface="Times New Roman" panose="02020603050405020304" pitchFamily="18" charset="0"/>
-              </a:rPr>
-              <a:t>Inherent aan modellering – keuzes leiden niet eerder wel tot 25 km grens maar tot begrenzing bij lage depositiewaarden.</a:t>
-            </a:r>
-            <a:endParaRPr lang="en-NL" dirty="0">
-              <a:solidFill>
-                <a:srgbClr val="0070C0"/>
-              </a:solidFill>
-            </a:endParaRPr>
-          </a:p>
-        </p:txBody>
-      </p:sp>
       <p:pic>
         <p:nvPicPr>
           <p:cNvPr id="5" name="Picture 4">
@@ -9789,6 +9826,53 @@
           </a:prstGeom>
         </p:spPr>
       </p:pic>
+      <p:sp>
+        <p:nvSpPr>
+          <p:cNvPr id="4" name="Tekstvak 3">
+            <a:extLst>
+              <a:ext uri="{FF2B5EF4-FFF2-40B4-BE49-F238E27FC236}">
+                <a16:creationId xmlns:a16="http://schemas.microsoft.com/office/drawing/2014/main" id="{D8A99C61-03D3-E092-9557-B000BD46DFF5}"/>
+              </a:ext>
+            </a:extLst>
+          </p:cNvPr>
+          <p:cNvSpPr txBox="1"/>
+          <p:nvPr/>
+        </p:nvSpPr>
+        <p:spPr>
+          <a:xfrm>
+            <a:off x="8171041" y="1990574"/>
+            <a:ext cx="3337791" cy="923330"/>
+          </a:xfrm>
+          <a:prstGeom prst="rect">
+            <a:avLst/>
+          </a:prstGeom>
+          <a:noFill/>
+        </p:spPr>
+        <p:txBody>
+          <a:bodyPr wrap="square">
+            <a:spAutoFit/>
+          </a:bodyPr>
+          <a:lstStyle/>
+          <a:p>
+            <a:r>
+              <a:rPr lang="nl-NL" dirty="0">
+                <a:solidFill>
+                  <a:srgbClr val="0070C0"/>
+                </a:solidFill>
+                <a:latin typeface="Calibri" panose="020F0502020204030204" pitchFamily="34" charset="0"/>
+                <a:ea typeface="Calibri" panose="020F0502020204030204" pitchFamily="34" charset="0"/>
+                <a:cs typeface="Times New Roman" panose="02020603050405020304" pitchFamily="18" charset="0"/>
+              </a:rPr>
+              <a:t>Inherent aan modellering – keuzes leiden niet tot begrenzing bij lage depositiewaarden.</a:t>
+            </a:r>
+            <a:endParaRPr lang="en-NL" dirty="0">
+              <a:solidFill>
+                <a:srgbClr val="0070C0"/>
+              </a:solidFill>
+            </a:endParaRPr>
+          </a:p>
+        </p:txBody>
+      </p:sp>
     </p:spTree>
     <p:extLst>
       <p:ext uri="{BB962C8B-B14F-4D97-AF65-F5344CB8AC3E}">
@@ -10642,10 +10726,10 @@
       </p:pic>
       <p:sp>
         <p:nvSpPr>
-          <p:cNvPr id="4" name="Tekstvak 3">
-            <a:extLst>
-              <a:ext uri="{FF2B5EF4-FFF2-40B4-BE49-F238E27FC236}">
-                <a16:creationId xmlns:a16="http://schemas.microsoft.com/office/drawing/2014/main" id="{923D5A8F-2C6E-FE76-9D64-EB294B6E88A8}"/>
+          <p:cNvPr id="7" name="Tekstvak 6">
+            <a:extLst>
+              <a:ext uri="{FF2B5EF4-FFF2-40B4-BE49-F238E27FC236}">
+                <a16:creationId xmlns:a16="http://schemas.microsoft.com/office/drawing/2014/main" id="{BD7906B4-46EB-5B43-277C-93FFAA6A398B}"/>
               </a:ext>
             </a:extLst>
           </p:cNvPr>
@@ -10655,7 +10739,7 @@
         <p:spPr>
           <a:xfrm>
             <a:off x="8171041" y="1990574"/>
-            <a:ext cx="3337791" cy="1200329"/>
+            <a:ext cx="3337791" cy="923330"/>
           </a:xfrm>
           <a:prstGeom prst="rect">
             <a:avLst/>
@@ -10677,7 +10761,7 @@
                 <a:ea typeface="Calibri" panose="020F0502020204030204" pitchFamily="34" charset="0"/>
                 <a:cs typeface="Times New Roman" panose="02020603050405020304" pitchFamily="18" charset="0"/>
               </a:rPr>
-              <a:t>Inherent aan modellering – keuzes leiden niet eerder wel tot 25 km grens maar tot begrenzing bij lage depositiewaarden.</a:t>
+              <a:t>Inherent aan modellering – keuzes leiden niet tot begrenzing bij lage depositiewaarden.</a:t>
             </a:r>
             <a:endParaRPr lang="en-NL" dirty="0">
               <a:solidFill>
